--- a/INF5071.pptx
+++ b/INF5071.pptx
@@ -6324,7 +6324,7 @@
           <a:p>
             <a:r>
               <a:rPr lang="fr-CA" dirty="0"/>
-              <a:t>5- les technologies utilisées</a:t>
+              <a:t>5- Les technologies utilisées</a:t>
             </a:r>
           </a:p>
           <a:p>
@@ -6451,7 +6451,7 @@
           <a:p>
             <a:r>
               <a:rPr lang="fr-CA" dirty="0"/>
-              <a:t>Définition des taches de chaque membre d’équipe</a:t>
+              <a:t>Définition des tâches de chaque membre d’équipe</a:t>
             </a:r>
           </a:p>
           <a:p>

--- a/INF5071.pptx
+++ b/INF5071.pptx
@@ -15,8 +15,18 @@
     <p:sldId id="262" r:id="rId9"/>
     <p:sldId id="265" r:id="rId10"/>
     <p:sldId id="267" r:id="rId11"/>
-    <p:sldId id="263" r:id="rId12"/>
-    <p:sldId id="264" r:id="rId13"/>
+    <p:sldId id="268" r:id="rId12"/>
+    <p:sldId id="269" r:id="rId13"/>
+    <p:sldId id="270" r:id="rId14"/>
+    <p:sldId id="271" r:id="rId15"/>
+    <p:sldId id="272" r:id="rId16"/>
+    <p:sldId id="273" r:id="rId17"/>
+    <p:sldId id="274" r:id="rId18"/>
+    <p:sldId id="275" r:id="rId19"/>
+    <p:sldId id="276" r:id="rId20"/>
+    <p:sldId id="277" r:id="rId21"/>
+    <p:sldId id="263" r:id="rId22"/>
+    <p:sldId id="264" r:id="rId23"/>
   </p:sldIdLst>
   <p:sldSz cx="12192000" cy="6858000"/>
   <p:notesSz cx="6858000" cy="9144000"/>
@@ -887,7 +897,7 @@
           <a:p>
             <a:fld id="{E43C97DB-8CC4-4FBF-A68D-2277A2A0A0E0}" type="slidenum">
               <a:rPr lang="fr-CA" smtClean="0"/>
-              <a:t>‹N°›</a:t>
+              <a:t>‹#›</a:t>
             </a:fld>
             <a:endParaRPr lang="fr-CA"/>
           </a:p>
@@ -1138,7 +1148,7 @@
           <a:p>
             <a:fld id="{E43C97DB-8CC4-4FBF-A68D-2277A2A0A0E0}" type="slidenum">
               <a:rPr lang="fr-CA" smtClean="0"/>
-              <a:t>‹N°›</a:t>
+              <a:t>‹#›</a:t>
             </a:fld>
             <a:endParaRPr lang="fr-CA"/>
           </a:p>
@@ -1452,7 +1462,7 @@
           <a:p>
             <a:fld id="{E43C97DB-8CC4-4FBF-A68D-2277A2A0A0E0}" type="slidenum">
               <a:rPr lang="fr-CA" smtClean="0"/>
-              <a:t>‹N°›</a:t>
+              <a:t>‹#›</a:t>
             </a:fld>
             <a:endParaRPr lang="fr-CA"/>
           </a:p>
@@ -1793,7 +1803,7 @@
           <a:p>
             <a:fld id="{E43C97DB-8CC4-4FBF-A68D-2277A2A0A0E0}" type="slidenum">
               <a:rPr lang="fr-CA" smtClean="0"/>
-              <a:t>‹N°›</a:t>
+              <a:t>‹#›</a:t>
             </a:fld>
             <a:endParaRPr lang="fr-CA"/>
           </a:p>
@@ -2107,7 +2117,7 @@
           <a:p>
             <a:fld id="{E43C97DB-8CC4-4FBF-A68D-2277A2A0A0E0}" type="slidenum">
               <a:rPr lang="fr-CA" smtClean="0"/>
-              <a:t>‹N°›</a:t>
+              <a:t>‹#›</a:t>
             </a:fld>
             <a:endParaRPr lang="fr-CA"/>
           </a:p>
@@ -2500,7 +2510,7 @@
           <a:p>
             <a:fld id="{E43C97DB-8CC4-4FBF-A68D-2277A2A0A0E0}" type="slidenum">
               <a:rPr lang="fr-CA" smtClean="0"/>
-              <a:t>‹N°›</a:t>
+              <a:t>‹#›</a:t>
             </a:fld>
             <a:endParaRPr lang="fr-CA"/>
           </a:p>
@@ -2670,7 +2680,7 @@
           <a:p>
             <a:fld id="{E43C97DB-8CC4-4FBF-A68D-2277A2A0A0E0}" type="slidenum">
               <a:rPr lang="fr-CA" smtClean="0"/>
-              <a:t>‹N°›</a:t>
+              <a:t>‹#›</a:t>
             </a:fld>
             <a:endParaRPr lang="fr-CA"/>
           </a:p>
@@ -2850,7 +2860,7 @@
           <a:p>
             <a:fld id="{E43C97DB-8CC4-4FBF-A68D-2277A2A0A0E0}" type="slidenum">
               <a:rPr lang="fr-CA" smtClean="0"/>
-              <a:t>‹N°›</a:t>
+              <a:t>‹#›</a:t>
             </a:fld>
             <a:endParaRPr lang="fr-CA"/>
           </a:p>
@@ -3026,7 +3036,7 @@
           <a:p>
             <a:fld id="{E43C97DB-8CC4-4FBF-A68D-2277A2A0A0E0}" type="slidenum">
               <a:rPr lang="fr-CA" smtClean="0"/>
-              <a:t>‹N°›</a:t>
+              <a:t>‹#›</a:t>
             </a:fld>
             <a:endParaRPr lang="fr-CA"/>
           </a:p>
@@ -3273,7 +3283,7 @@
           <a:p>
             <a:fld id="{E43C97DB-8CC4-4FBF-A68D-2277A2A0A0E0}" type="slidenum">
               <a:rPr lang="fr-CA" smtClean="0"/>
-              <a:t>‹N°›</a:t>
+              <a:t>‹#›</a:t>
             </a:fld>
             <a:endParaRPr lang="fr-CA"/>
           </a:p>
@@ -3505,7 +3515,7 @@
           <a:p>
             <a:fld id="{E43C97DB-8CC4-4FBF-A68D-2277A2A0A0E0}" type="slidenum">
               <a:rPr lang="fr-CA" smtClean="0"/>
-              <a:t>‹N°›</a:t>
+              <a:t>‹#›</a:t>
             </a:fld>
             <a:endParaRPr lang="fr-CA"/>
           </a:p>
@@ -3879,7 +3889,7 @@
           <a:p>
             <a:fld id="{E43C97DB-8CC4-4FBF-A68D-2277A2A0A0E0}" type="slidenum">
               <a:rPr lang="fr-CA" smtClean="0"/>
-              <a:t>‹N°›</a:t>
+              <a:t>‹#›</a:t>
             </a:fld>
             <a:endParaRPr lang="fr-CA"/>
           </a:p>
@@ -4002,7 +4012,7 @@
           <a:p>
             <a:fld id="{E43C97DB-8CC4-4FBF-A68D-2277A2A0A0E0}" type="slidenum">
               <a:rPr lang="fr-CA" smtClean="0"/>
-              <a:t>‹N°›</a:t>
+              <a:t>‹#›</a:t>
             </a:fld>
             <a:endParaRPr lang="fr-CA"/>
           </a:p>
@@ -4097,7 +4107,7 @@
           <a:p>
             <a:fld id="{E43C97DB-8CC4-4FBF-A68D-2277A2A0A0E0}" type="slidenum">
               <a:rPr lang="fr-CA" smtClean="0"/>
-              <a:t>‹N°›</a:t>
+              <a:t>‹#›</a:t>
             </a:fld>
             <a:endParaRPr lang="fr-CA"/>
           </a:p>
@@ -4352,7 +4362,7 @@
           <a:p>
             <a:fld id="{E43C97DB-8CC4-4FBF-A68D-2277A2A0A0E0}" type="slidenum">
               <a:rPr lang="fr-CA" smtClean="0"/>
-              <a:t>‹N°›</a:t>
+              <a:t>‹#›</a:t>
             </a:fld>
             <a:endParaRPr lang="fr-CA"/>
           </a:p>
@@ -4615,7 +4625,7 @@
           <a:p>
             <a:fld id="{E43C97DB-8CC4-4FBF-A68D-2277A2A0A0E0}" type="slidenum">
               <a:rPr lang="fr-CA" smtClean="0"/>
-              <a:t>‹N°›</a:t>
+              <a:t>‹#›</a:t>
             </a:fld>
             <a:endParaRPr lang="fr-CA"/>
           </a:p>
@@ -5392,7 +5402,7 @@
           <a:p>
             <a:fld id="{E43C97DB-8CC4-4FBF-A68D-2277A2A0A0E0}" type="slidenum">
               <a:rPr lang="fr-CA" smtClean="0"/>
-              <a:t>‹N°›</a:t>
+              <a:t>‹#›</a:t>
             </a:fld>
             <a:endParaRPr lang="fr-CA"/>
           </a:p>
@@ -6087,7 +6097,7 @@
       </p:grpSpPr>
       <p:sp>
         <p:nvSpPr>
-          <p:cNvPr id="2" name="Titre 1"/>
+          <p:cNvPr id="2" name="Title 1"/>
           <p:cNvSpPr>
             <a:spLocks noGrp="1"/>
           </p:cNvSpPr>
@@ -6095,32 +6105,18 @@
             <p:ph type="title"/>
           </p:nvPr>
         </p:nvSpPr>
-        <p:spPr>
-          <a:xfrm>
-            <a:off x="677334" y="609600"/>
-            <a:ext cx="8596668" cy="4848808"/>
-          </a:xfrm>
-        </p:spPr>
-        <p:txBody>
-          <a:bodyPr>
-            <a:normAutofit/>
-          </a:bodyPr>
-          <a:lstStyle/>
-          <a:p>
-            <a:r>
-              <a:rPr lang="fr-CA" sz="3200" dirty="0"/>
-              <a:t>7- Démonstration </a:t>
-            </a:r>
-            <a:br>
-              <a:rPr lang="fr-CA" dirty="0"/>
-            </a:br>
-            <a:endParaRPr lang="fr-CA" dirty="0"/>
+        <p:spPr/>
+        <p:txBody>
+          <a:bodyPr/>
+          <a:lstStyle/>
+          <a:p>
+            <a:endParaRPr lang="en-CA"/>
           </a:p>
         </p:txBody>
       </p:sp>
       <p:pic>
         <p:nvPicPr>
-          <p:cNvPr id="7" name="Espace réservé du contenu 6"/>
+          <p:cNvPr id="4" name="Content Placeholder 3"/>
           <p:cNvPicPr>
             <a:picLocks noGrp="1" noChangeAspect="1"/>
           </p:cNvPicPr>
@@ -6129,25 +6125,28 @@
           </p:nvPr>
         </p:nvPicPr>
         <p:blipFill>
-          <a:blip r:embed="rId2"/>
+          <a:blip r:embed="rId2">
+            <a:extLst>
+              <a:ext uri="{28A0092B-C50C-407E-A947-70E740481C1C}">
+                <a14:useLocalDpi xmlns:a14="http://schemas.microsoft.com/office/drawing/2010/main" val="0"/>
+              </a:ext>
+            </a:extLst>
+          </a:blip>
           <a:stretch>
             <a:fillRect/>
           </a:stretch>
         </p:blipFill>
         <p:spPr>
           <a:xfrm>
-            <a:off x="2481379" y="2160588"/>
-            <a:ext cx="4989280" cy="3881437"/>
+            <a:off x="1340441" y="2160588"/>
+            <a:ext cx="7271155" cy="3881437"/>
           </a:xfrm>
-          <a:prstGeom prst="rect">
-            <a:avLst/>
-          </a:prstGeom>
         </p:spPr>
       </p:pic>
     </p:spTree>
     <p:extLst>
       <p:ext uri="{BB962C8B-B14F-4D97-AF65-F5344CB8AC3E}">
-        <p14:creationId xmlns:p14="http://schemas.microsoft.com/office/powerpoint/2010/main" val="336366116"/>
+        <p14:creationId xmlns:p14="http://schemas.microsoft.com/office/powerpoint/2010/main" val="3979690993"/>
       </p:ext>
     </p:extLst>
   </p:cSld>
@@ -6176,7 +6175,7 @@
       </p:grpSpPr>
       <p:sp>
         <p:nvSpPr>
-          <p:cNvPr id="2" name="Titre 1"/>
+          <p:cNvPr id="2" name="Title 1"/>
           <p:cNvSpPr>
             <a:spLocks noGrp="1"/>
           </p:cNvSpPr>
@@ -6184,30 +6183,672 @@
             <p:ph type="title"/>
           </p:nvPr>
         </p:nvSpPr>
-        <p:spPr>
-          <a:xfrm>
-            <a:off x="677335" y="609599"/>
-            <a:ext cx="8596668" cy="5977813"/>
-          </a:xfrm>
-        </p:spPr>
+        <p:spPr/>
         <p:txBody>
           <a:bodyPr>
             <a:normAutofit/>
           </a:bodyPr>
           <a:lstStyle/>
           <a:p>
-            <a:pPr algn="ctr"/>
-            <a:r>
-              <a:rPr lang="fr-CA" sz="6000" dirty="0"/>
-              <a:t>Questions ?</a:t>
-            </a:r>
-          </a:p>
-        </p:txBody>
-      </p:sp>
+            <a:r>
+              <a:rPr lang="en-CA" dirty="0" err="1"/>
+              <a:t>L’image</a:t>
+            </a:r>
+            <a:r>
+              <a:rPr lang="en-CA" dirty="0"/>
+              <a:t> de Background</a:t>
+            </a:r>
+          </a:p>
+        </p:txBody>
+      </p:sp>
+      <p:pic>
+        <p:nvPicPr>
+          <p:cNvPr id="4" name="Content Placeholder 3"/>
+          <p:cNvPicPr>
+            <a:picLocks noGrp="1" noChangeAspect="1"/>
+          </p:cNvPicPr>
+          <p:nvPr>
+            <p:ph idx="1"/>
+          </p:nvPr>
+        </p:nvPicPr>
+        <p:blipFill>
+          <a:blip r:embed="rId2">
+            <a:extLst>
+              <a:ext uri="{28A0092B-C50C-407E-A947-70E740481C1C}">
+                <a14:useLocalDpi xmlns:a14="http://schemas.microsoft.com/office/drawing/2010/main" val="0"/>
+              </a:ext>
+            </a:extLst>
+          </a:blip>
+          <a:stretch>
+            <a:fillRect/>
+          </a:stretch>
+        </p:blipFill>
+        <p:spPr>
+          <a:xfrm>
+            <a:off x="943129" y="2160588"/>
+            <a:ext cx="4366616" cy="3881437"/>
+          </a:xfrm>
+        </p:spPr>
+      </p:pic>
+      <p:pic>
+        <p:nvPicPr>
+          <p:cNvPr id="5" name="Picture 4"/>
+          <p:cNvPicPr>
+            <a:picLocks noChangeAspect="1"/>
+          </p:cNvPicPr>
+          <p:nvPr/>
+        </p:nvPicPr>
+        <p:blipFill>
+          <a:blip r:embed="rId3">
+            <a:extLst>
+              <a:ext uri="{28A0092B-C50C-407E-A947-70E740481C1C}">
+                <a14:useLocalDpi xmlns:a14="http://schemas.microsoft.com/office/drawing/2010/main" val="0"/>
+              </a:ext>
+            </a:extLst>
+          </a:blip>
+          <a:stretch>
+            <a:fillRect/>
+          </a:stretch>
+        </p:blipFill>
+        <p:spPr>
+          <a:xfrm>
+            <a:off x="7106323" y="2160588"/>
+            <a:ext cx="1512261" cy="3865418"/>
+          </a:xfrm>
+          <a:prstGeom prst="rect">
+            <a:avLst/>
+          </a:prstGeom>
+        </p:spPr>
+      </p:pic>
     </p:spTree>
     <p:extLst>
       <p:ext uri="{BB962C8B-B14F-4D97-AF65-F5344CB8AC3E}">
-        <p14:creationId xmlns:p14="http://schemas.microsoft.com/office/powerpoint/2010/main" val="553861577"/>
+        <p14:creationId xmlns:p14="http://schemas.microsoft.com/office/powerpoint/2010/main" val="1749728149"/>
+      </p:ext>
+    </p:extLst>
+  </p:cSld>
+  <p:clrMapOvr>
+    <a:masterClrMapping/>
+  </p:clrMapOvr>
+</p:sld>
+</file>
+
+<file path=ppt/slides/slide13.xml><?xml version="1.0" encoding="utf-8"?>
+<p:sld xmlns:a="http://schemas.openxmlformats.org/drawingml/2006/main" xmlns:r="http://schemas.openxmlformats.org/officeDocument/2006/relationships" xmlns:p="http://schemas.openxmlformats.org/presentationml/2006/main">
+  <p:cSld>
+    <p:spTree>
+      <p:nvGrpSpPr>
+        <p:cNvPr id="1" name=""/>
+        <p:cNvGrpSpPr/>
+        <p:nvPr/>
+      </p:nvGrpSpPr>
+      <p:grpSpPr>
+        <a:xfrm>
+          <a:off x="0" y="0"/>
+          <a:ext cx="0" cy="0"/>
+          <a:chOff x="0" y="0"/>
+          <a:chExt cx="0" cy="0"/>
+        </a:xfrm>
+      </p:grpSpPr>
+      <p:sp>
+        <p:nvSpPr>
+          <p:cNvPr id="2" name="Title 1"/>
+          <p:cNvSpPr>
+            <a:spLocks noGrp="1"/>
+          </p:cNvSpPr>
+          <p:nvPr>
+            <p:ph type="title"/>
+          </p:nvPr>
+        </p:nvSpPr>
+        <p:spPr/>
+        <p:txBody>
+          <a:bodyPr/>
+          <a:lstStyle/>
+          <a:p>
+            <a:r>
+              <a:rPr lang="en-CA" dirty="0"/>
+              <a:t>Debut du Face</a:t>
+            </a:r>
+          </a:p>
+        </p:txBody>
+      </p:sp>
+      <p:pic>
+        <p:nvPicPr>
+          <p:cNvPr id="4" name="Content Placeholder 3"/>
+          <p:cNvPicPr>
+            <a:picLocks noGrp="1" noChangeAspect="1"/>
+          </p:cNvPicPr>
+          <p:nvPr>
+            <p:ph idx="1"/>
+          </p:nvPr>
+        </p:nvPicPr>
+        <p:blipFill>
+          <a:blip r:embed="rId2">
+            <a:extLst>
+              <a:ext uri="{28A0092B-C50C-407E-A947-70E740481C1C}">
+                <a14:useLocalDpi xmlns:a14="http://schemas.microsoft.com/office/drawing/2010/main" val="0"/>
+              </a:ext>
+            </a:extLst>
+          </a:blip>
+          <a:stretch>
+            <a:fillRect/>
+          </a:stretch>
+        </p:blipFill>
+        <p:spPr>
+          <a:xfrm>
+            <a:off x="1155728" y="2160588"/>
+            <a:ext cx="7640582" cy="3881437"/>
+          </a:xfrm>
+        </p:spPr>
+      </p:pic>
+    </p:spTree>
+    <p:extLst>
+      <p:ext uri="{BB962C8B-B14F-4D97-AF65-F5344CB8AC3E}">
+        <p14:creationId xmlns:p14="http://schemas.microsoft.com/office/powerpoint/2010/main" val="2253319700"/>
+      </p:ext>
+    </p:extLst>
+  </p:cSld>
+  <p:clrMapOvr>
+    <a:masterClrMapping/>
+  </p:clrMapOvr>
+</p:sld>
+</file>
+
+<file path=ppt/slides/slide14.xml><?xml version="1.0" encoding="utf-8"?>
+<p:sld xmlns:a="http://schemas.openxmlformats.org/drawingml/2006/main" xmlns:r="http://schemas.openxmlformats.org/officeDocument/2006/relationships" xmlns:p="http://schemas.openxmlformats.org/presentationml/2006/main">
+  <p:cSld>
+    <p:spTree>
+      <p:nvGrpSpPr>
+        <p:cNvPr id="1" name=""/>
+        <p:cNvGrpSpPr/>
+        <p:nvPr/>
+      </p:nvGrpSpPr>
+      <p:grpSpPr>
+        <a:xfrm>
+          <a:off x="0" y="0"/>
+          <a:ext cx="0" cy="0"/>
+          <a:chOff x="0" y="0"/>
+          <a:chExt cx="0" cy="0"/>
+        </a:xfrm>
+      </p:grpSpPr>
+      <p:sp>
+        <p:nvSpPr>
+          <p:cNvPr id="2" name="Title 1"/>
+          <p:cNvSpPr>
+            <a:spLocks noGrp="1"/>
+          </p:cNvSpPr>
+          <p:nvPr>
+            <p:ph type="title"/>
+          </p:nvPr>
+        </p:nvSpPr>
+        <p:spPr/>
+        <p:txBody>
+          <a:bodyPr/>
+          <a:lstStyle/>
+          <a:p>
+            <a:r>
+              <a:rPr lang="en-CA" dirty="0" err="1"/>
+              <a:t>Coutour</a:t>
+            </a:r>
+            <a:r>
+              <a:rPr lang="en-CA" dirty="0"/>
+              <a:t> de la </a:t>
+            </a:r>
+            <a:r>
+              <a:rPr lang="en-CA" dirty="0" err="1"/>
+              <a:t>tete</a:t>
+            </a:r>
+            <a:endParaRPr lang="en-CA" dirty="0"/>
+          </a:p>
+        </p:txBody>
+      </p:sp>
+      <p:pic>
+        <p:nvPicPr>
+          <p:cNvPr id="5" name="Content Placeholder 4"/>
+          <p:cNvPicPr>
+            <a:picLocks noGrp="1" noChangeAspect="1"/>
+          </p:cNvPicPr>
+          <p:nvPr>
+            <p:ph idx="1"/>
+          </p:nvPr>
+        </p:nvPicPr>
+        <p:blipFill>
+          <a:blip r:embed="rId2">
+            <a:extLst>
+              <a:ext uri="{28A0092B-C50C-407E-A947-70E740481C1C}">
+                <a14:useLocalDpi xmlns:a14="http://schemas.microsoft.com/office/drawing/2010/main" val="0"/>
+              </a:ext>
+            </a:extLst>
+          </a:blip>
+          <a:stretch>
+            <a:fillRect/>
+          </a:stretch>
+        </p:blipFill>
+        <p:spPr>
+          <a:xfrm>
+            <a:off x="1153249" y="2160588"/>
+            <a:ext cx="7645539" cy="3881437"/>
+          </a:xfrm>
+        </p:spPr>
+      </p:pic>
+    </p:spTree>
+    <p:extLst>
+      <p:ext uri="{BB962C8B-B14F-4D97-AF65-F5344CB8AC3E}">
+        <p14:creationId xmlns:p14="http://schemas.microsoft.com/office/powerpoint/2010/main" val="3333875079"/>
+      </p:ext>
+    </p:extLst>
+  </p:cSld>
+  <p:clrMapOvr>
+    <a:masterClrMapping/>
+  </p:clrMapOvr>
+</p:sld>
+</file>
+
+<file path=ppt/slides/slide15.xml><?xml version="1.0" encoding="utf-8"?>
+<p:sld xmlns:a="http://schemas.openxmlformats.org/drawingml/2006/main" xmlns:r="http://schemas.openxmlformats.org/officeDocument/2006/relationships" xmlns:p="http://schemas.openxmlformats.org/presentationml/2006/main">
+  <p:cSld>
+    <p:spTree>
+      <p:nvGrpSpPr>
+        <p:cNvPr id="1" name=""/>
+        <p:cNvGrpSpPr/>
+        <p:nvPr/>
+      </p:nvGrpSpPr>
+      <p:grpSpPr>
+        <a:xfrm>
+          <a:off x="0" y="0"/>
+          <a:ext cx="0" cy="0"/>
+          <a:chOff x="0" y="0"/>
+          <a:chExt cx="0" cy="0"/>
+        </a:xfrm>
+      </p:grpSpPr>
+      <p:sp>
+        <p:nvSpPr>
+          <p:cNvPr id="2" name="Title 1"/>
+          <p:cNvSpPr>
+            <a:spLocks noGrp="1"/>
+          </p:cNvSpPr>
+          <p:nvPr>
+            <p:ph type="title"/>
+          </p:nvPr>
+        </p:nvSpPr>
+        <p:spPr/>
+        <p:txBody>
+          <a:bodyPr/>
+          <a:lstStyle/>
+          <a:p>
+            <a:r>
+              <a:rPr lang="en-CA" dirty="0"/>
+              <a:t>Le </a:t>
+            </a:r>
+            <a:r>
+              <a:rPr lang="en-CA" dirty="0" err="1"/>
+              <a:t>poitrine</a:t>
+            </a:r>
+            <a:endParaRPr lang="en-CA" dirty="0"/>
+          </a:p>
+        </p:txBody>
+      </p:sp>
+      <p:pic>
+        <p:nvPicPr>
+          <p:cNvPr id="4" name="Content Placeholder 3"/>
+          <p:cNvPicPr>
+            <a:picLocks noGrp="1" noChangeAspect="1"/>
+          </p:cNvPicPr>
+          <p:nvPr>
+            <p:ph idx="1"/>
+          </p:nvPr>
+        </p:nvPicPr>
+        <p:blipFill>
+          <a:blip r:embed="rId2">
+            <a:extLst>
+              <a:ext uri="{28A0092B-C50C-407E-A947-70E740481C1C}">
+                <a14:useLocalDpi xmlns:a14="http://schemas.microsoft.com/office/drawing/2010/main" val="0"/>
+              </a:ext>
+            </a:extLst>
+          </a:blip>
+          <a:stretch>
+            <a:fillRect/>
+          </a:stretch>
+        </p:blipFill>
+        <p:spPr>
+          <a:xfrm>
+            <a:off x="1261925" y="2160588"/>
+            <a:ext cx="7428187" cy="3881437"/>
+          </a:xfrm>
+        </p:spPr>
+      </p:pic>
+    </p:spTree>
+    <p:extLst>
+      <p:ext uri="{BB962C8B-B14F-4D97-AF65-F5344CB8AC3E}">
+        <p14:creationId xmlns:p14="http://schemas.microsoft.com/office/powerpoint/2010/main" val="2550553322"/>
+      </p:ext>
+    </p:extLst>
+  </p:cSld>
+  <p:clrMapOvr>
+    <a:masterClrMapping/>
+  </p:clrMapOvr>
+</p:sld>
+</file>
+
+<file path=ppt/slides/slide16.xml><?xml version="1.0" encoding="utf-8"?>
+<p:sld xmlns:a="http://schemas.openxmlformats.org/drawingml/2006/main" xmlns:r="http://schemas.openxmlformats.org/officeDocument/2006/relationships" xmlns:p="http://schemas.openxmlformats.org/presentationml/2006/main">
+  <p:cSld>
+    <p:spTree>
+      <p:nvGrpSpPr>
+        <p:cNvPr id="1" name=""/>
+        <p:cNvGrpSpPr/>
+        <p:nvPr/>
+      </p:nvGrpSpPr>
+      <p:grpSpPr>
+        <a:xfrm>
+          <a:off x="0" y="0"/>
+          <a:ext cx="0" cy="0"/>
+          <a:chOff x="0" y="0"/>
+          <a:chExt cx="0" cy="0"/>
+        </a:xfrm>
+      </p:grpSpPr>
+      <p:sp>
+        <p:nvSpPr>
+          <p:cNvPr id="2" name="Title 1"/>
+          <p:cNvSpPr>
+            <a:spLocks noGrp="1"/>
+          </p:cNvSpPr>
+          <p:nvPr>
+            <p:ph type="title"/>
+          </p:nvPr>
+        </p:nvSpPr>
+        <p:spPr/>
+        <p:txBody>
+          <a:bodyPr/>
+          <a:lstStyle/>
+          <a:p>
+            <a:r>
+              <a:rPr lang="en-CA" dirty="0"/>
+              <a:t>Bras</a:t>
+            </a:r>
+          </a:p>
+        </p:txBody>
+      </p:sp>
+      <p:pic>
+        <p:nvPicPr>
+          <p:cNvPr id="4" name="Content Placeholder 3"/>
+          <p:cNvPicPr>
+            <a:picLocks noGrp="1" noChangeAspect="1"/>
+          </p:cNvPicPr>
+          <p:nvPr>
+            <p:ph idx="1"/>
+          </p:nvPr>
+        </p:nvPicPr>
+        <p:blipFill>
+          <a:blip r:embed="rId2">
+            <a:extLst>
+              <a:ext uri="{28A0092B-C50C-407E-A947-70E740481C1C}">
+                <a14:useLocalDpi xmlns:a14="http://schemas.microsoft.com/office/drawing/2010/main" val="0"/>
+              </a:ext>
+            </a:extLst>
+          </a:blip>
+          <a:stretch>
+            <a:fillRect/>
+          </a:stretch>
+        </p:blipFill>
+        <p:spPr>
+          <a:xfrm>
+            <a:off x="1246795" y="2160588"/>
+            <a:ext cx="7458447" cy="3881437"/>
+          </a:xfrm>
+        </p:spPr>
+      </p:pic>
+    </p:spTree>
+    <p:extLst>
+      <p:ext uri="{BB962C8B-B14F-4D97-AF65-F5344CB8AC3E}">
+        <p14:creationId xmlns:p14="http://schemas.microsoft.com/office/powerpoint/2010/main" val="3645500165"/>
+      </p:ext>
+    </p:extLst>
+  </p:cSld>
+  <p:clrMapOvr>
+    <a:masterClrMapping/>
+  </p:clrMapOvr>
+</p:sld>
+</file>
+
+<file path=ppt/slides/slide17.xml><?xml version="1.0" encoding="utf-8"?>
+<p:sld xmlns:a="http://schemas.openxmlformats.org/drawingml/2006/main" xmlns:r="http://schemas.openxmlformats.org/officeDocument/2006/relationships" xmlns:p="http://schemas.openxmlformats.org/presentationml/2006/main">
+  <p:cSld>
+    <p:spTree>
+      <p:nvGrpSpPr>
+        <p:cNvPr id="1" name=""/>
+        <p:cNvGrpSpPr/>
+        <p:nvPr/>
+      </p:nvGrpSpPr>
+      <p:grpSpPr>
+        <a:xfrm>
+          <a:off x="0" y="0"/>
+          <a:ext cx="0" cy="0"/>
+          <a:chOff x="0" y="0"/>
+          <a:chExt cx="0" cy="0"/>
+        </a:xfrm>
+      </p:grpSpPr>
+      <p:sp>
+        <p:nvSpPr>
+          <p:cNvPr id="2" name="Title 1"/>
+          <p:cNvSpPr>
+            <a:spLocks noGrp="1"/>
+          </p:cNvSpPr>
+          <p:nvPr>
+            <p:ph type="title"/>
+          </p:nvPr>
+        </p:nvSpPr>
+        <p:spPr/>
+        <p:txBody>
+          <a:bodyPr/>
+          <a:lstStyle/>
+          <a:p>
+            <a:r>
+              <a:rPr lang="en-CA" dirty="0"/>
+              <a:t>Corps complete</a:t>
+            </a:r>
+          </a:p>
+        </p:txBody>
+      </p:sp>
+      <p:pic>
+        <p:nvPicPr>
+          <p:cNvPr id="4" name="Content Placeholder 3"/>
+          <p:cNvPicPr>
+            <a:picLocks noGrp="1" noChangeAspect="1"/>
+          </p:cNvPicPr>
+          <p:nvPr>
+            <p:ph idx="1"/>
+          </p:nvPr>
+        </p:nvPicPr>
+        <p:blipFill>
+          <a:blip r:embed="rId2">
+            <a:extLst>
+              <a:ext uri="{28A0092B-C50C-407E-A947-70E740481C1C}">
+                <a14:useLocalDpi xmlns:a14="http://schemas.microsoft.com/office/drawing/2010/main" val="0"/>
+              </a:ext>
+            </a:extLst>
+          </a:blip>
+          <a:stretch>
+            <a:fillRect/>
+          </a:stretch>
+        </p:blipFill>
+        <p:spPr>
+          <a:xfrm>
+            <a:off x="1888512" y="2160588"/>
+            <a:ext cx="6175013" cy="3881437"/>
+          </a:xfrm>
+        </p:spPr>
+      </p:pic>
+    </p:spTree>
+    <p:extLst>
+      <p:ext uri="{BB962C8B-B14F-4D97-AF65-F5344CB8AC3E}">
+        <p14:creationId xmlns:p14="http://schemas.microsoft.com/office/powerpoint/2010/main" val="3278972770"/>
+      </p:ext>
+    </p:extLst>
+  </p:cSld>
+  <p:clrMapOvr>
+    <a:masterClrMapping/>
+  </p:clrMapOvr>
+</p:sld>
+</file>
+
+<file path=ppt/slides/slide18.xml><?xml version="1.0" encoding="utf-8"?>
+<p:sld xmlns:a="http://schemas.openxmlformats.org/drawingml/2006/main" xmlns:r="http://schemas.openxmlformats.org/officeDocument/2006/relationships" xmlns:p="http://schemas.openxmlformats.org/presentationml/2006/main">
+  <p:cSld>
+    <p:spTree>
+      <p:nvGrpSpPr>
+        <p:cNvPr id="1" name=""/>
+        <p:cNvGrpSpPr/>
+        <p:nvPr/>
+      </p:nvGrpSpPr>
+      <p:grpSpPr>
+        <a:xfrm>
+          <a:off x="0" y="0"/>
+          <a:ext cx="0" cy="0"/>
+          <a:chOff x="0" y="0"/>
+          <a:chExt cx="0" cy="0"/>
+        </a:xfrm>
+      </p:grpSpPr>
+      <p:sp>
+        <p:nvSpPr>
+          <p:cNvPr id="2" name="Title 1"/>
+          <p:cNvSpPr>
+            <a:spLocks noGrp="1"/>
+          </p:cNvSpPr>
+          <p:nvPr>
+            <p:ph type="title"/>
+          </p:nvPr>
+        </p:nvSpPr>
+        <p:spPr/>
+        <p:txBody>
+          <a:bodyPr/>
+          <a:lstStyle/>
+          <a:p>
+            <a:r>
+              <a:rPr lang="en-CA" dirty="0"/>
+              <a:t>Mesh </a:t>
+            </a:r>
+          </a:p>
+        </p:txBody>
+      </p:sp>
+      <p:pic>
+        <p:nvPicPr>
+          <p:cNvPr id="4" name="Content Placeholder 3"/>
+          <p:cNvPicPr>
+            <a:picLocks noGrp="1" noChangeAspect="1"/>
+          </p:cNvPicPr>
+          <p:nvPr>
+            <p:ph idx="1"/>
+          </p:nvPr>
+        </p:nvPicPr>
+        <p:blipFill>
+          <a:blip r:embed="rId2">
+            <a:extLst>
+              <a:ext uri="{28A0092B-C50C-407E-A947-70E740481C1C}">
+                <a14:useLocalDpi xmlns:a14="http://schemas.microsoft.com/office/drawing/2010/main" val="0"/>
+              </a:ext>
+            </a:extLst>
+          </a:blip>
+          <a:stretch>
+            <a:fillRect/>
+          </a:stretch>
+        </p:blipFill>
+        <p:spPr>
+          <a:xfrm>
+            <a:off x="3035300" y="2160588"/>
+            <a:ext cx="3881437" cy="3881437"/>
+          </a:xfrm>
+        </p:spPr>
+      </p:pic>
+    </p:spTree>
+    <p:extLst>
+      <p:ext uri="{BB962C8B-B14F-4D97-AF65-F5344CB8AC3E}">
+        <p14:creationId xmlns:p14="http://schemas.microsoft.com/office/powerpoint/2010/main" val="606809111"/>
+      </p:ext>
+    </p:extLst>
+  </p:cSld>
+  <p:clrMapOvr>
+    <a:masterClrMapping/>
+  </p:clrMapOvr>
+</p:sld>
+</file>
+
+<file path=ppt/slides/slide19.xml><?xml version="1.0" encoding="utf-8"?>
+<p:sld xmlns:a="http://schemas.openxmlformats.org/drawingml/2006/main" xmlns:r="http://schemas.openxmlformats.org/officeDocument/2006/relationships" xmlns:p="http://schemas.openxmlformats.org/presentationml/2006/main">
+  <p:cSld>
+    <p:spTree>
+      <p:nvGrpSpPr>
+        <p:cNvPr id="1" name=""/>
+        <p:cNvGrpSpPr/>
+        <p:nvPr/>
+      </p:nvGrpSpPr>
+      <p:grpSpPr>
+        <a:xfrm>
+          <a:off x="0" y="0"/>
+          <a:ext cx="0" cy="0"/>
+          <a:chOff x="0" y="0"/>
+          <a:chExt cx="0" cy="0"/>
+        </a:xfrm>
+      </p:grpSpPr>
+      <p:sp>
+        <p:nvSpPr>
+          <p:cNvPr id="2" name="Title 1"/>
+          <p:cNvSpPr>
+            <a:spLocks noGrp="1"/>
+          </p:cNvSpPr>
+          <p:nvPr>
+            <p:ph type="title"/>
+          </p:nvPr>
+        </p:nvSpPr>
+        <p:spPr/>
+        <p:txBody>
+          <a:bodyPr/>
+          <a:lstStyle/>
+          <a:p>
+            <a:r>
+              <a:rPr lang="en-CA" dirty="0" err="1"/>
+              <a:t>Produit</a:t>
+            </a:r>
+            <a:r>
+              <a:rPr lang="en-CA" dirty="0"/>
+              <a:t> final</a:t>
+            </a:r>
+          </a:p>
+        </p:txBody>
+      </p:sp>
+      <p:pic>
+        <p:nvPicPr>
+          <p:cNvPr id="4" name="Content Placeholder 3"/>
+          <p:cNvPicPr>
+            <a:picLocks noGrp="1" noChangeAspect="1"/>
+          </p:cNvPicPr>
+          <p:nvPr>
+            <p:ph idx="1"/>
+          </p:nvPr>
+        </p:nvPicPr>
+        <p:blipFill>
+          <a:blip r:embed="rId2">
+            <a:extLst>
+              <a:ext uri="{28A0092B-C50C-407E-A947-70E740481C1C}">
+                <a14:useLocalDpi xmlns:a14="http://schemas.microsoft.com/office/drawing/2010/main" val="0"/>
+              </a:ext>
+            </a:extLst>
+          </a:blip>
+          <a:stretch>
+            <a:fillRect/>
+          </a:stretch>
+        </p:blipFill>
+        <p:spPr>
+          <a:xfrm>
+            <a:off x="965963" y="2160588"/>
+            <a:ext cx="8020111" cy="3881437"/>
+          </a:xfrm>
+        </p:spPr>
+      </p:pic>
+    </p:spTree>
+    <p:extLst>
+      <p:ext uri="{BB962C8B-B14F-4D97-AF65-F5344CB8AC3E}">
+        <p14:creationId xmlns:p14="http://schemas.microsoft.com/office/powerpoint/2010/main" val="1058361462"/>
       </p:ext>
     </p:extLst>
   </p:cSld>
@@ -6372,6 +7013,239 @@
     <p:extLst>
       <p:ext uri="{BB962C8B-B14F-4D97-AF65-F5344CB8AC3E}">
         <p14:creationId xmlns:p14="http://schemas.microsoft.com/office/powerpoint/2010/main" val="1651696685"/>
+      </p:ext>
+    </p:extLst>
+  </p:cSld>
+  <p:clrMapOvr>
+    <a:masterClrMapping/>
+  </p:clrMapOvr>
+</p:sld>
+</file>
+
+<file path=ppt/slides/slide20.xml><?xml version="1.0" encoding="utf-8"?>
+<p:sld xmlns:a="http://schemas.openxmlformats.org/drawingml/2006/main" xmlns:r="http://schemas.openxmlformats.org/officeDocument/2006/relationships" xmlns:p="http://schemas.openxmlformats.org/presentationml/2006/main">
+  <p:cSld>
+    <p:spTree>
+      <p:nvGrpSpPr>
+        <p:cNvPr id="1" name=""/>
+        <p:cNvGrpSpPr/>
+        <p:nvPr/>
+      </p:nvGrpSpPr>
+      <p:grpSpPr>
+        <a:xfrm>
+          <a:off x="0" y="0"/>
+          <a:ext cx="0" cy="0"/>
+          <a:chOff x="0" y="0"/>
+          <a:chExt cx="0" cy="0"/>
+        </a:xfrm>
+      </p:grpSpPr>
+      <p:sp>
+        <p:nvSpPr>
+          <p:cNvPr id="2" name="Title 1"/>
+          <p:cNvSpPr>
+            <a:spLocks noGrp="1"/>
+          </p:cNvSpPr>
+          <p:nvPr>
+            <p:ph type="title"/>
+          </p:nvPr>
+        </p:nvSpPr>
+        <p:spPr/>
+        <p:txBody>
+          <a:bodyPr/>
+          <a:lstStyle/>
+          <a:p>
+            <a:r>
+              <a:rPr lang="en-CA" dirty="0"/>
+              <a:t>Animation</a:t>
+            </a:r>
+          </a:p>
+        </p:txBody>
+      </p:sp>
+      <p:pic>
+        <p:nvPicPr>
+          <p:cNvPr id="4" name="Content Placeholder 3"/>
+          <p:cNvPicPr>
+            <a:picLocks noGrp="1" noChangeAspect="1"/>
+          </p:cNvPicPr>
+          <p:nvPr>
+            <p:ph idx="1"/>
+          </p:nvPr>
+        </p:nvPicPr>
+        <p:blipFill>
+          <a:blip r:embed="rId2">
+            <a:extLst>
+              <a:ext uri="{28A0092B-C50C-407E-A947-70E740481C1C}">
+                <a14:useLocalDpi xmlns:a14="http://schemas.microsoft.com/office/drawing/2010/main" val="0"/>
+              </a:ext>
+            </a:extLst>
+          </a:blip>
+          <a:stretch>
+            <a:fillRect/>
+          </a:stretch>
+        </p:blipFill>
+        <p:spPr>
+          <a:xfrm>
+            <a:off x="1215318" y="2160588"/>
+            <a:ext cx="7521402" cy="3881437"/>
+          </a:xfrm>
+        </p:spPr>
+      </p:pic>
+    </p:spTree>
+    <p:extLst>
+      <p:ext uri="{BB962C8B-B14F-4D97-AF65-F5344CB8AC3E}">
+        <p14:creationId xmlns:p14="http://schemas.microsoft.com/office/powerpoint/2010/main" val="2966462905"/>
+      </p:ext>
+    </p:extLst>
+  </p:cSld>
+  <p:clrMapOvr>
+    <a:masterClrMapping/>
+  </p:clrMapOvr>
+</p:sld>
+</file>
+
+<file path=ppt/slides/slide21.xml><?xml version="1.0" encoding="utf-8"?>
+<p:sld xmlns:a="http://schemas.openxmlformats.org/drawingml/2006/main" xmlns:r="http://schemas.openxmlformats.org/officeDocument/2006/relationships" xmlns:p="http://schemas.openxmlformats.org/presentationml/2006/main">
+  <p:cSld>
+    <p:spTree>
+      <p:nvGrpSpPr>
+        <p:cNvPr id="1" name=""/>
+        <p:cNvGrpSpPr/>
+        <p:nvPr/>
+      </p:nvGrpSpPr>
+      <p:grpSpPr>
+        <a:xfrm>
+          <a:off x="0" y="0"/>
+          <a:ext cx="0" cy="0"/>
+          <a:chOff x="0" y="0"/>
+          <a:chExt cx="0" cy="0"/>
+        </a:xfrm>
+      </p:grpSpPr>
+      <p:sp>
+        <p:nvSpPr>
+          <p:cNvPr id="2" name="Titre 1"/>
+          <p:cNvSpPr>
+            <a:spLocks noGrp="1"/>
+          </p:cNvSpPr>
+          <p:nvPr>
+            <p:ph type="title"/>
+          </p:nvPr>
+        </p:nvSpPr>
+        <p:spPr>
+          <a:xfrm>
+            <a:off x="677334" y="609600"/>
+            <a:ext cx="8596668" cy="4848808"/>
+          </a:xfrm>
+        </p:spPr>
+        <p:txBody>
+          <a:bodyPr>
+            <a:normAutofit/>
+          </a:bodyPr>
+          <a:lstStyle/>
+          <a:p>
+            <a:r>
+              <a:rPr lang="fr-CA" sz="3200" dirty="0"/>
+              <a:t>7- Démonstration </a:t>
+            </a:r>
+            <a:br>
+              <a:rPr lang="fr-CA" dirty="0"/>
+            </a:br>
+            <a:endParaRPr lang="fr-CA" dirty="0"/>
+          </a:p>
+        </p:txBody>
+      </p:sp>
+      <p:pic>
+        <p:nvPicPr>
+          <p:cNvPr id="6" name="Content Placeholder 5"/>
+          <p:cNvPicPr>
+            <a:picLocks noGrp="1" noChangeAspect="1"/>
+          </p:cNvPicPr>
+          <p:nvPr>
+            <p:ph idx="1"/>
+          </p:nvPr>
+        </p:nvPicPr>
+        <p:blipFill>
+          <a:blip r:embed="rId2">
+            <a:extLst>
+              <a:ext uri="{28A0092B-C50C-407E-A947-70E740481C1C}">
+                <a14:useLocalDpi xmlns:a14="http://schemas.microsoft.com/office/drawing/2010/main" val="0"/>
+              </a:ext>
+            </a:extLst>
+          </a:blip>
+          <a:stretch>
+            <a:fillRect/>
+          </a:stretch>
+        </p:blipFill>
+        <p:spPr>
+          <a:xfrm>
+            <a:off x="2525976" y="2253296"/>
+            <a:ext cx="6472551" cy="3696020"/>
+          </a:xfrm>
+        </p:spPr>
+      </p:pic>
+    </p:spTree>
+    <p:extLst>
+      <p:ext uri="{BB962C8B-B14F-4D97-AF65-F5344CB8AC3E}">
+        <p14:creationId xmlns:p14="http://schemas.microsoft.com/office/powerpoint/2010/main" val="336366116"/>
+      </p:ext>
+    </p:extLst>
+  </p:cSld>
+  <p:clrMapOvr>
+    <a:masterClrMapping/>
+  </p:clrMapOvr>
+</p:sld>
+</file>
+
+<file path=ppt/slides/slide22.xml><?xml version="1.0" encoding="utf-8"?>
+<p:sld xmlns:a="http://schemas.openxmlformats.org/drawingml/2006/main" xmlns:r="http://schemas.openxmlformats.org/officeDocument/2006/relationships" xmlns:p="http://schemas.openxmlformats.org/presentationml/2006/main">
+  <p:cSld>
+    <p:spTree>
+      <p:nvGrpSpPr>
+        <p:cNvPr id="1" name=""/>
+        <p:cNvGrpSpPr/>
+        <p:nvPr/>
+      </p:nvGrpSpPr>
+      <p:grpSpPr>
+        <a:xfrm>
+          <a:off x="0" y="0"/>
+          <a:ext cx="0" cy="0"/>
+          <a:chOff x="0" y="0"/>
+          <a:chExt cx="0" cy="0"/>
+        </a:xfrm>
+      </p:grpSpPr>
+      <p:sp>
+        <p:nvSpPr>
+          <p:cNvPr id="2" name="Titre 1"/>
+          <p:cNvSpPr>
+            <a:spLocks noGrp="1"/>
+          </p:cNvSpPr>
+          <p:nvPr>
+            <p:ph type="title"/>
+          </p:nvPr>
+        </p:nvSpPr>
+        <p:spPr>
+          <a:xfrm>
+            <a:off x="677335" y="609599"/>
+            <a:ext cx="8596668" cy="5977813"/>
+          </a:xfrm>
+        </p:spPr>
+        <p:txBody>
+          <a:bodyPr>
+            <a:normAutofit/>
+          </a:bodyPr>
+          <a:lstStyle/>
+          <a:p>
+            <a:pPr algn="ctr"/>
+            <a:r>
+              <a:rPr lang="fr-CA" sz="6000" dirty="0"/>
+              <a:t>Questions ?</a:t>
+            </a:r>
+          </a:p>
+        </p:txBody>
+      </p:sp>
+    </p:spTree>
+    <p:extLst>
+      <p:ext uri="{BB962C8B-B14F-4D97-AF65-F5344CB8AC3E}">
+        <p14:creationId xmlns:p14="http://schemas.microsoft.com/office/powerpoint/2010/main" val="553861577"/>
       </p:ext>
     </p:extLst>
   </p:cSld>
@@ -6811,22 +7685,28 @@
       </p:sp>
       <p:pic>
         <p:nvPicPr>
-          <p:cNvPr id="4" name="Image 3"/>
+          <p:cNvPr id="5" name="Picture 4"/>
           <p:cNvPicPr>
             <a:picLocks noChangeAspect="1"/>
           </p:cNvPicPr>
           <p:nvPr/>
         </p:nvPicPr>
         <p:blipFill>
-          <a:blip r:embed="rId2"/>
+          <a:blip r:embed="rId2">
+            <a:extLst>
+              <a:ext uri="{28A0092B-C50C-407E-A947-70E740481C1C}">
+                <a14:useLocalDpi xmlns:a14="http://schemas.microsoft.com/office/drawing/2010/main" val="0"/>
+              </a:ext>
+            </a:extLst>
+          </a:blip>
           <a:stretch>
             <a:fillRect/>
           </a:stretch>
         </p:blipFill>
         <p:spPr>
           <a:xfrm>
-            <a:off x="886407" y="2388636"/>
-            <a:ext cx="8052319" cy="3741575"/>
+            <a:off x="1008095" y="2463862"/>
+            <a:ext cx="7657923" cy="3853811"/>
           </a:xfrm>
           <a:prstGeom prst="rect">
             <a:avLst/>
@@ -6909,7 +7789,7 @@
           <a:p>
             <a:r>
               <a:rPr lang="fr-CA" dirty="0"/>
-              <a:t>Type Soleil</a:t>
+              <a:t>Type Spot</a:t>
             </a:r>
           </a:p>
           <a:p>
@@ -6922,22 +7802,28 @@
       </p:sp>
       <p:pic>
         <p:nvPicPr>
-          <p:cNvPr id="6" name="Image 5"/>
+          <p:cNvPr id="4" name="Picture 3"/>
           <p:cNvPicPr>
             <a:picLocks noChangeAspect="1"/>
           </p:cNvPicPr>
           <p:nvPr/>
         </p:nvPicPr>
         <p:blipFill>
-          <a:blip r:embed="rId2"/>
+          <a:blip r:embed="rId2">
+            <a:extLst>
+              <a:ext uri="{28A0092B-C50C-407E-A947-70E740481C1C}">
+                <a14:useLocalDpi xmlns:a14="http://schemas.microsoft.com/office/drawing/2010/main" val="0"/>
+              </a:ext>
+            </a:extLst>
+          </a:blip>
           <a:stretch>
             <a:fillRect/>
           </a:stretch>
         </p:blipFill>
         <p:spPr>
           <a:xfrm>
-            <a:off x="4264090" y="1717004"/>
-            <a:ext cx="3374561" cy="4973215"/>
+            <a:off x="3875006" y="2663375"/>
+            <a:ext cx="2530059" cy="3734124"/>
           </a:xfrm>
           <a:prstGeom prst="rect">
             <a:avLst/>
@@ -6996,26 +7882,49 @@
           </a:p>
         </p:txBody>
       </p:sp>
+      <p:sp>
+        <p:nvSpPr>
+          <p:cNvPr id="3" name="Content Placeholder 2"/>
+          <p:cNvSpPr>
+            <a:spLocks noGrp="1"/>
+          </p:cNvSpPr>
+          <p:nvPr>
+            <p:ph idx="1"/>
+          </p:nvPr>
+        </p:nvSpPr>
+        <p:spPr/>
+        <p:txBody>
+          <a:bodyPr/>
+          <a:lstStyle/>
+          <a:p>
+            <a:endParaRPr lang="en-CA"/>
+          </a:p>
+        </p:txBody>
+      </p:sp>
       <p:pic>
         <p:nvPicPr>
-          <p:cNvPr id="4" name="Espace réservé du contenu 3"/>
+          <p:cNvPr id="5" name="Picture 4"/>
           <p:cNvPicPr>
-            <a:picLocks noGrp="1" noChangeAspect="1"/>
+            <a:picLocks noChangeAspect="1"/>
           </p:cNvPicPr>
-          <p:nvPr>
-            <p:ph idx="1"/>
-          </p:nvPr>
+          <p:nvPr/>
         </p:nvPicPr>
         <p:blipFill>
-          <a:blip r:embed="rId2"/>
+          <a:blip r:embed="rId2">
+            <a:extLst>
+              <a:ext uri="{28A0092B-C50C-407E-A947-70E740481C1C}">
+                <a14:useLocalDpi xmlns:a14="http://schemas.microsoft.com/office/drawing/2010/main" val="0"/>
+              </a:ext>
+            </a:extLst>
+          </a:blip>
           <a:stretch>
             <a:fillRect/>
           </a:stretch>
         </p:blipFill>
         <p:spPr>
           <a:xfrm>
-            <a:off x="2401097" y="2160588"/>
-            <a:ext cx="5149844" cy="3881437"/>
+            <a:off x="1008095" y="2463862"/>
+            <a:ext cx="7657923" cy="3853811"/>
           </a:xfrm>
           <a:prstGeom prst="rect">
             <a:avLst/>

--- a/INF5071.pptx
+++ b/INF5071.pptx
@@ -7331,7 +7331,7 @@
           <a:p>
             <a:r>
               <a:rPr lang="fr-CA" dirty="0"/>
-              <a:t>Travail séquentiel</a:t>
+              <a:t>Travail parallèle</a:t>
             </a:r>
           </a:p>
           <a:p>

--- a/INF5071.pptx
+++ b/INF5071.pptx
@@ -6307,6 +6307,18 @@
           <a:p>
             <a:r>
               <a:rPr lang="en-CA" dirty="0"/>
+              <a:t>Mod</a:t>
+            </a:r>
+            <a:r>
+              <a:rPr lang="fr-CA" dirty="0" err="1"/>
+              <a:t>élisation</a:t>
+            </a:r>
+            <a:r>
+              <a:rPr lang="fr-CA" dirty="0"/>
+              <a:t> :</a:t>
+            </a:r>
+            <a:r>
+              <a:rPr lang="en-CA" dirty="0"/>
               <a:t>Debut du Face</a:t>
             </a:r>
           </a:p>
@@ -6387,18 +6399,25 @@
           <a:lstStyle/>
           <a:p>
             <a:r>
+              <a:rPr lang="en-CA" dirty="0"/>
+              <a:t>Mod</a:t>
+            </a:r>
+            <a:r>
+              <a:rPr lang="fr-CA" dirty="0" err="1"/>
+              <a:t>élisation</a:t>
+            </a:r>
+            <a:r>
+              <a:rPr lang="fr-CA" dirty="0"/>
+              <a:t> : </a:t>
+            </a:r>
+            <a:r>
               <a:rPr lang="en-CA" dirty="0" err="1"/>
               <a:t>Coutour</a:t>
             </a:r>
             <a:r>
               <a:rPr lang="en-CA" dirty="0"/>
-              <a:t> de la </a:t>
-            </a:r>
-            <a:r>
-              <a:rPr lang="en-CA" dirty="0" err="1"/>
-              <a:t>tete</a:t>
-            </a:r>
-            <a:endParaRPr lang="en-CA" dirty="0"/>
+              <a:t> de la tête</a:t>
+            </a:r>
           </a:p>
         </p:txBody>
       </p:sp>
@@ -6478,7 +6497,19 @@
           <a:p>
             <a:r>
               <a:rPr lang="en-CA" dirty="0"/>
-              <a:t>Le </a:t>
+              <a:t>Mod</a:t>
+            </a:r>
+            <a:r>
+              <a:rPr lang="fr-CA" dirty="0" err="1"/>
+              <a:t>élisation</a:t>
+            </a:r>
+            <a:r>
+              <a:rPr lang="fr-CA" dirty="0"/>
+              <a:t> :</a:t>
+            </a:r>
+            <a:r>
+              <a:rPr lang="en-CA" dirty="0"/>
+              <a:t>La </a:t>
             </a:r>
             <a:r>
               <a:rPr lang="en-CA" dirty="0" err="1"/>
@@ -6557,15 +6588,33 @@
             <p:ph type="title"/>
           </p:nvPr>
         </p:nvSpPr>
-        <p:spPr/>
+        <p:spPr>
+          <a:xfrm>
+            <a:off x="677334" y="585216"/>
+            <a:ext cx="8596668" cy="1320800"/>
+          </a:xfrm>
+        </p:spPr>
         <p:txBody>
           <a:bodyPr/>
           <a:lstStyle/>
           <a:p>
             <a:r>
               <a:rPr lang="en-CA" dirty="0"/>
-              <a:t>Bras</a:t>
-            </a:r>
+              <a:t>Mod</a:t>
+            </a:r>
+            <a:r>
+              <a:rPr lang="fr-CA" dirty="0" err="1"/>
+              <a:t>élisation</a:t>
+            </a:r>
+            <a:r>
+              <a:rPr lang="fr-CA" dirty="0"/>
+              <a:t> : Les b</a:t>
+            </a:r>
+            <a:r>
+              <a:rPr lang="en-CA" dirty="0" err="1"/>
+              <a:t>ras</a:t>
+            </a:r>
+            <a:endParaRPr lang="en-CA" dirty="0"/>
           </a:p>
         </p:txBody>
       </p:sp>
@@ -6645,6 +6694,18 @@
           <a:p>
             <a:r>
               <a:rPr lang="en-CA" dirty="0"/>
+              <a:t>Mod</a:t>
+            </a:r>
+            <a:r>
+              <a:rPr lang="fr-CA" dirty="0" err="1"/>
+              <a:t>élisation</a:t>
+            </a:r>
+            <a:r>
+              <a:rPr lang="fr-CA" dirty="0"/>
+              <a:t> : </a:t>
+            </a:r>
+            <a:r>
+              <a:rPr lang="en-CA" dirty="0"/>
               <a:t>Corps complete</a:t>
             </a:r>
           </a:p>
@@ -6726,7 +6787,7 @@
           <a:p>
             <a:r>
               <a:rPr lang="en-CA" dirty="0"/>
-              <a:t>Mesh </a:t>
+              <a:t>Texture </a:t>
             </a:r>
           </a:p>
         </p:txBody>
